--- a/backup/JVM类加载/HotSpot Class load.pptx
+++ b/backup/JVM类加载/HotSpot Class load.pptx
@@ -6,6 +6,7 @@
   </p:sldMasterIdLst>
   <p:sldIdLst>
     <p:sldId id="256" r:id="rId2"/>
+    <p:sldId id="257" r:id="rId3"/>
   </p:sldIdLst>
   <p:sldSz cx="9144000" cy="6858000" type="screen4x3"/>
   <p:notesSz cx="6858000" cy="9144000"/>
@@ -288,7 +289,7 @@
           <a:p>
             <a:fld id="{530820CF-B880-4189-942D-D702A7CBA730}" type="datetimeFigureOut">
               <a:rPr lang="zh-CN" altLang="en-US" smtClean="0"/>
-              <a:t>2017/1/29</a:t>
+              <a:t>2017/2/5</a:t>
             </a:fld>
             <a:endParaRPr lang="zh-CN" altLang="en-US"/>
           </a:p>
@@ -453,7 +454,7 @@
           <a:p>
             <a:fld id="{530820CF-B880-4189-942D-D702A7CBA730}" type="datetimeFigureOut">
               <a:rPr lang="zh-CN" altLang="en-US" smtClean="0"/>
-              <a:t>2017/1/29</a:t>
+              <a:t>2017/2/5</a:t>
             </a:fld>
             <a:endParaRPr lang="zh-CN" altLang="en-US"/>
           </a:p>
@@ -628,7 +629,7 @@
           <a:p>
             <a:fld id="{530820CF-B880-4189-942D-D702A7CBA730}" type="datetimeFigureOut">
               <a:rPr lang="zh-CN" altLang="en-US" smtClean="0"/>
-              <a:t>2017/1/29</a:t>
+              <a:t>2017/2/5</a:t>
             </a:fld>
             <a:endParaRPr lang="zh-CN" altLang="en-US"/>
           </a:p>
@@ -793,7 +794,7 @@
           <a:p>
             <a:fld id="{530820CF-B880-4189-942D-D702A7CBA730}" type="datetimeFigureOut">
               <a:rPr lang="zh-CN" altLang="en-US" smtClean="0"/>
-              <a:t>2017/1/29</a:t>
+              <a:t>2017/2/5</a:t>
             </a:fld>
             <a:endParaRPr lang="zh-CN" altLang="en-US"/>
           </a:p>
@@ -1034,7 +1035,7 @@
           <a:p>
             <a:fld id="{530820CF-B880-4189-942D-D702A7CBA730}" type="datetimeFigureOut">
               <a:rPr lang="zh-CN" altLang="en-US" smtClean="0"/>
-              <a:t>2017/1/29</a:t>
+              <a:t>2017/2/5</a:t>
             </a:fld>
             <a:endParaRPr lang="zh-CN" altLang="en-US"/>
           </a:p>
@@ -1317,7 +1318,7 @@
           <a:p>
             <a:fld id="{530820CF-B880-4189-942D-D702A7CBA730}" type="datetimeFigureOut">
               <a:rPr lang="zh-CN" altLang="en-US" smtClean="0"/>
-              <a:t>2017/1/29</a:t>
+              <a:t>2017/2/5</a:t>
             </a:fld>
             <a:endParaRPr lang="zh-CN" altLang="en-US"/>
           </a:p>
@@ -1734,7 +1735,7 @@
           <a:p>
             <a:fld id="{530820CF-B880-4189-942D-D702A7CBA730}" type="datetimeFigureOut">
               <a:rPr lang="zh-CN" altLang="en-US" smtClean="0"/>
-              <a:t>2017/1/29</a:t>
+              <a:t>2017/2/5</a:t>
             </a:fld>
             <a:endParaRPr lang="zh-CN" altLang="en-US"/>
           </a:p>
@@ -1847,7 +1848,7 @@
           <a:p>
             <a:fld id="{530820CF-B880-4189-942D-D702A7CBA730}" type="datetimeFigureOut">
               <a:rPr lang="zh-CN" altLang="en-US" smtClean="0"/>
-              <a:t>2017/1/29</a:t>
+              <a:t>2017/2/5</a:t>
             </a:fld>
             <a:endParaRPr lang="zh-CN" altLang="en-US"/>
           </a:p>
@@ -1937,7 +1938,7 @@
           <a:p>
             <a:fld id="{530820CF-B880-4189-942D-D702A7CBA730}" type="datetimeFigureOut">
               <a:rPr lang="zh-CN" altLang="en-US" smtClean="0"/>
-              <a:t>2017/1/29</a:t>
+              <a:t>2017/2/5</a:t>
             </a:fld>
             <a:endParaRPr lang="zh-CN" altLang="en-US"/>
           </a:p>
@@ -2209,7 +2210,7 @@
           <a:p>
             <a:fld id="{530820CF-B880-4189-942D-D702A7CBA730}" type="datetimeFigureOut">
               <a:rPr lang="zh-CN" altLang="en-US" smtClean="0"/>
-              <a:t>2017/1/29</a:t>
+              <a:t>2017/2/5</a:t>
             </a:fld>
             <a:endParaRPr lang="zh-CN" altLang="en-US"/>
           </a:p>
@@ -2457,7 +2458,7 @@
           <a:p>
             <a:fld id="{530820CF-B880-4189-942D-D702A7CBA730}" type="datetimeFigureOut">
               <a:rPr lang="zh-CN" altLang="en-US" smtClean="0"/>
-              <a:t>2017/1/29</a:t>
+              <a:t>2017/2/5</a:t>
             </a:fld>
             <a:endParaRPr lang="zh-CN" altLang="en-US"/>
           </a:p>
@@ -2665,7 +2666,7 @@
           <a:p>
             <a:fld id="{530820CF-B880-4189-942D-D702A7CBA730}" type="datetimeFigureOut">
               <a:rPr lang="zh-CN" altLang="en-US" smtClean="0"/>
-              <a:t>2017/1/29</a:t>
+              <a:t>2017/2/5</a:t>
             </a:fld>
             <a:endParaRPr lang="zh-CN" altLang="en-US"/>
           </a:p>
@@ -3720,8 +3721,12 @@
           <a:lstStyle/>
           <a:p>
             <a:r>
+              <a:rPr lang="zh-CN" altLang="en-US" sz="2000" dirty="0"/>
+              <a:t>连</a:t>
+            </a:r>
+            <a:r>
               <a:rPr lang="zh-CN" altLang="en-US" sz="2000" dirty="0" smtClean="0"/>
-              <a:t>链接</a:t>
+              <a:t>接</a:t>
             </a:r>
             <a:endParaRPr lang="zh-CN" altLang="en-US" sz="2000" dirty="0"/>
           </a:p>
@@ -3744,6 +3749,1272 @@
       </p:par>
     </p:tnLst>
   </p:timing>
+</p:sld>
+</file>
+
+<file path=ppt/slides/slide2.xml><?xml version="1.0" encoding="utf-8"?>
+<p:sld xmlns:a="http://schemas.openxmlformats.org/drawingml/2006/main" xmlns:r="http://schemas.openxmlformats.org/officeDocument/2006/relationships" xmlns:p="http://schemas.openxmlformats.org/presentationml/2006/main">
+  <p:cSld>
+    <p:spTree>
+      <p:nvGrpSpPr>
+        <p:cNvPr id="1" name=""/>
+        <p:cNvGrpSpPr/>
+        <p:nvPr/>
+      </p:nvGrpSpPr>
+      <p:grpSpPr>
+        <a:xfrm>
+          <a:off x="0" y="0"/>
+          <a:ext cx="0" cy="0"/>
+          <a:chOff x="0" y="0"/>
+          <a:chExt cx="0" cy="0"/>
+        </a:xfrm>
+      </p:grpSpPr>
+      <p:sp>
+        <p:nvSpPr>
+          <p:cNvPr id="5" name="菱形 4"/>
+          <p:cNvSpPr/>
+          <p:nvPr/>
+        </p:nvSpPr>
+        <p:spPr>
+          <a:xfrm>
+            <a:off x="2339752" y="1484784"/>
+            <a:ext cx="2232248" cy="936104"/>
+          </a:xfrm>
+          <a:prstGeom prst="diamond">
+            <a:avLst/>
+          </a:prstGeom>
+          <a:solidFill>
+            <a:schemeClr val="bg2">
+              <a:lumMod val="50000"/>
+            </a:schemeClr>
+          </a:solidFill>
+        </p:spPr>
+        <p:style>
+          <a:lnRef idx="2">
+            <a:schemeClr val="accent1">
+              <a:shade val="50000"/>
+            </a:schemeClr>
+          </a:lnRef>
+          <a:fillRef idx="1">
+            <a:schemeClr val="accent1"/>
+          </a:fillRef>
+          <a:effectRef idx="0">
+            <a:schemeClr val="accent1"/>
+          </a:effectRef>
+          <a:fontRef idx="minor">
+            <a:schemeClr val="lt1"/>
+          </a:fontRef>
+        </p:style>
+        <p:txBody>
+          <a:bodyPr rtlCol="0" anchor="ctr"/>
+          <a:lstStyle/>
+          <a:p>
+            <a:pPr algn="ctr"/>
+            <a:r>
+              <a:rPr lang="zh-CN" altLang="en-US" dirty="0" smtClean="0"/>
+              <a:t>出错状态？</a:t>
+            </a:r>
+            <a:endParaRPr lang="zh-CN" altLang="en-US" dirty="0"/>
+          </a:p>
+        </p:txBody>
+      </p:sp>
+      <p:sp>
+        <p:nvSpPr>
+          <p:cNvPr id="6" name="菱形 5"/>
+          <p:cNvSpPr/>
+          <p:nvPr/>
+        </p:nvSpPr>
+        <p:spPr>
+          <a:xfrm>
+            <a:off x="2339752" y="2996952"/>
+            <a:ext cx="2232248" cy="936104"/>
+          </a:xfrm>
+          <a:prstGeom prst="diamond">
+            <a:avLst/>
+          </a:prstGeom>
+          <a:solidFill>
+            <a:schemeClr val="accent4">
+              <a:lumMod val="75000"/>
+            </a:schemeClr>
+          </a:solidFill>
+        </p:spPr>
+        <p:style>
+          <a:lnRef idx="2">
+            <a:schemeClr val="accent1">
+              <a:shade val="50000"/>
+            </a:schemeClr>
+          </a:lnRef>
+          <a:fillRef idx="1">
+            <a:schemeClr val="accent1"/>
+          </a:fillRef>
+          <a:effectRef idx="0">
+            <a:schemeClr val="accent1"/>
+          </a:effectRef>
+          <a:fontRef idx="minor">
+            <a:schemeClr val="lt1"/>
+          </a:fontRef>
+        </p:style>
+        <p:txBody>
+          <a:bodyPr rtlCol="0" anchor="ctr"/>
+          <a:lstStyle/>
+          <a:p>
+            <a:pPr algn="ctr"/>
+            <a:r>
+              <a:rPr lang="zh-CN" altLang="en-US" dirty="0" smtClean="0"/>
+              <a:t>已经连接？</a:t>
+            </a:r>
+            <a:endParaRPr lang="zh-CN" altLang="en-US" dirty="0"/>
+          </a:p>
+        </p:txBody>
+      </p:sp>
+      <p:sp>
+        <p:nvSpPr>
+          <p:cNvPr id="7" name="菱形 6"/>
+          <p:cNvSpPr/>
+          <p:nvPr/>
+        </p:nvSpPr>
+        <p:spPr>
+          <a:xfrm>
+            <a:off x="2339752" y="4725144"/>
+            <a:ext cx="2232248" cy="936104"/>
+          </a:xfrm>
+          <a:prstGeom prst="diamond">
+            <a:avLst/>
+          </a:prstGeom>
+          <a:solidFill>
+            <a:schemeClr val="accent6">
+              <a:lumMod val="60000"/>
+              <a:lumOff val="40000"/>
+            </a:schemeClr>
+          </a:solidFill>
+        </p:spPr>
+        <p:style>
+          <a:lnRef idx="2">
+            <a:schemeClr val="accent1">
+              <a:shade val="50000"/>
+            </a:schemeClr>
+          </a:lnRef>
+          <a:fillRef idx="1">
+            <a:schemeClr val="accent1"/>
+          </a:fillRef>
+          <a:effectRef idx="0">
+            <a:schemeClr val="accent1"/>
+          </a:effectRef>
+          <a:fontRef idx="minor">
+            <a:schemeClr val="lt1"/>
+          </a:fontRef>
+        </p:style>
+        <p:txBody>
+          <a:bodyPr rtlCol="0" anchor="ctr"/>
+          <a:lstStyle/>
+          <a:p>
+            <a:pPr algn="ctr"/>
+            <a:r>
+              <a:rPr lang="zh-CN" altLang="en-US" dirty="0" smtClean="0"/>
+              <a:t>父类或接口已连接？</a:t>
+            </a:r>
+            <a:endParaRPr lang="zh-CN" altLang="en-US" dirty="0"/>
+          </a:p>
+        </p:txBody>
+      </p:sp>
+      <p:sp>
+        <p:nvSpPr>
+          <p:cNvPr id="9" name="菱形 8"/>
+          <p:cNvSpPr/>
+          <p:nvPr/>
+        </p:nvSpPr>
+        <p:spPr>
+          <a:xfrm>
+            <a:off x="5688124" y="4725144"/>
+            <a:ext cx="2232248" cy="936104"/>
+          </a:xfrm>
+          <a:prstGeom prst="diamond">
+            <a:avLst/>
+          </a:prstGeom>
+          <a:solidFill>
+            <a:schemeClr val="accent5">
+              <a:lumMod val="75000"/>
+            </a:schemeClr>
+          </a:solidFill>
+        </p:spPr>
+        <p:style>
+          <a:lnRef idx="2">
+            <a:schemeClr val="accent1">
+              <a:shade val="50000"/>
+            </a:schemeClr>
+          </a:lnRef>
+          <a:fillRef idx="1">
+            <a:schemeClr val="accent1"/>
+          </a:fillRef>
+          <a:effectRef idx="0">
+            <a:schemeClr val="accent1"/>
+          </a:effectRef>
+          <a:fontRef idx="minor">
+            <a:schemeClr val="lt1"/>
+          </a:fontRef>
+        </p:style>
+        <p:txBody>
+          <a:bodyPr rtlCol="0" anchor="ctr"/>
+          <a:lstStyle/>
+          <a:p>
+            <a:pPr algn="ctr"/>
+            <a:r>
+              <a:rPr lang="zh-CN" altLang="en-US" dirty="0" smtClean="0"/>
+              <a:t>已经连接？</a:t>
+            </a:r>
+            <a:endParaRPr lang="zh-CN" altLang="en-US" dirty="0"/>
+          </a:p>
+        </p:txBody>
+      </p:sp>
+      <p:sp>
+        <p:nvSpPr>
+          <p:cNvPr id="10" name="圆角矩形 9"/>
+          <p:cNvSpPr/>
+          <p:nvPr/>
+        </p:nvSpPr>
+        <p:spPr>
+          <a:xfrm>
+            <a:off x="5976156" y="100336"/>
+            <a:ext cx="1656184" cy="820636"/>
+          </a:xfrm>
+          <a:prstGeom prst="roundRect">
+            <a:avLst/>
+          </a:prstGeom>
+          <a:solidFill>
+            <a:schemeClr val="accent3">
+              <a:lumMod val="75000"/>
+            </a:schemeClr>
+          </a:solidFill>
+        </p:spPr>
+        <p:style>
+          <a:lnRef idx="2">
+            <a:schemeClr val="accent1">
+              <a:shade val="50000"/>
+            </a:schemeClr>
+          </a:lnRef>
+          <a:fillRef idx="1">
+            <a:schemeClr val="accent1"/>
+          </a:fillRef>
+          <a:effectRef idx="0">
+            <a:schemeClr val="accent1"/>
+          </a:effectRef>
+          <a:fontRef idx="minor">
+            <a:schemeClr val="lt1"/>
+          </a:fontRef>
+        </p:style>
+        <p:txBody>
+          <a:bodyPr rtlCol="0" anchor="ctr"/>
+          <a:lstStyle/>
+          <a:p>
+            <a:pPr algn="ctr"/>
+            <a:r>
+              <a:rPr lang="zh-CN" altLang="en-US" dirty="0" smtClean="0"/>
+              <a:t>类可使用</a:t>
+            </a:r>
+            <a:endParaRPr lang="zh-CN" altLang="en-US" dirty="0"/>
+          </a:p>
+        </p:txBody>
+      </p:sp>
+      <p:sp>
+        <p:nvSpPr>
+          <p:cNvPr id="11" name="圆角矩形 10"/>
+          <p:cNvSpPr/>
+          <p:nvPr/>
+        </p:nvSpPr>
+        <p:spPr>
+          <a:xfrm>
+            <a:off x="2627784" y="100336"/>
+            <a:ext cx="1656184" cy="820636"/>
+          </a:xfrm>
+          <a:prstGeom prst="roundRect">
+            <a:avLst/>
+          </a:prstGeom>
+          <a:solidFill>
+            <a:schemeClr val="accent2">
+              <a:lumMod val="75000"/>
+            </a:schemeClr>
+          </a:solidFill>
+        </p:spPr>
+        <p:style>
+          <a:lnRef idx="2">
+            <a:schemeClr val="accent1">
+              <a:shade val="50000"/>
+            </a:schemeClr>
+          </a:lnRef>
+          <a:fillRef idx="1">
+            <a:schemeClr val="accent1"/>
+          </a:fillRef>
+          <a:effectRef idx="0">
+            <a:schemeClr val="accent1"/>
+          </a:effectRef>
+          <a:fontRef idx="minor">
+            <a:schemeClr val="lt1"/>
+          </a:fontRef>
+        </p:style>
+        <p:txBody>
+          <a:bodyPr rtlCol="0" anchor="ctr"/>
+          <a:lstStyle/>
+          <a:p>
+            <a:pPr algn="ctr"/>
+            <a:r>
+              <a:rPr lang="zh-CN" altLang="en-US" dirty="0" smtClean="0"/>
+              <a:t>引用到类时</a:t>
+            </a:r>
+            <a:endParaRPr lang="zh-CN" altLang="en-US" dirty="0"/>
+          </a:p>
+        </p:txBody>
+      </p:sp>
+      <p:sp>
+        <p:nvSpPr>
+          <p:cNvPr id="12" name="矩形 11"/>
+          <p:cNvSpPr/>
+          <p:nvPr/>
+        </p:nvSpPr>
+        <p:spPr>
+          <a:xfrm>
+            <a:off x="5904148" y="3469876"/>
+            <a:ext cx="1800200" cy="648072"/>
+          </a:xfrm>
+          <a:prstGeom prst="rect">
+            <a:avLst/>
+          </a:prstGeom>
+        </p:spPr>
+        <p:style>
+          <a:lnRef idx="2">
+            <a:schemeClr val="accent1">
+              <a:shade val="50000"/>
+            </a:schemeClr>
+          </a:lnRef>
+          <a:fillRef idx="1">
+            <a:schemeClr val="accent1"/>
+          </a:fillRef>
+          <a:effectRef idx="0">
+            <a:schemeClr val="accent1"/>
+          </a:effectRef>
+          <a:fontRef idx="minor">
+            <a:schemeClr val="lt1"/>
+          </a:fontRef>
+        </p:style>
+        <p:txBody>
+          <a:bodyPr rtlCol="0" anchor="ctr"/>
+          <a:lstStyle/>
+          <a:p>
+            <a:pPr algn="ctr"/>
+            <a:r>
+              <a:rPr lang="zh-CN" altLang="en-US" dirty="0" smtClean="0"/>
+              <a:t>字节码验证</a:t>
+            </a:r>
+            <a:endParaRPr lang="zh-CN" altLang="en-US" dirty="0"/>
+          </a:p>
+        </p:txBody>
+      </p:sp>
+      <p:sp>
+        <p:nvSpPr>
+          <p:cNvPr id="13" name="矩形 12"/>
+          <p:cNvSpPr/>
+          <p:nvPr/>
+        </p:nvSpPr>
+        <p:spPr>
+          <a:xfrm>
+            <a:off x="5904148" y="2419752"/>
+            <a:ext cx="1800200" cy="648072"/>
+          </a:xfrm>
+          <a:prstGeom prst="rect">
+            <a:avLst/>
+          </a:prstGeom>
+        </p:spPr>
+        <p:style>
+          <a:lnRef idx="2">
+            <a:schemeClr val="accent1">
+              <a:shade val="50000"/>
+            </a:schemeClr>
+          </a:lnRef>
+          <a:fillRef idx="1">
+            <a:schemeClr val="accent1"/>
+          </a:fillRef>
+          <a:effectRef idx="0">
+            <a:schemeClr val="accent1"/>
+          </a:effectRef>
+          <a:fontRef idx="minor">
+            <a:schemeClr val="lt1"/>
+          </a:fontRef>
+        </p:style>
+        <p:txBody>
+          <a:bodyPr rtlCol="0" anchor="ctr"/>
+          <a:lstStyle/>
+          <a:p>
+            <a:pPr algn="ctr"/>
+            <a:r>
+              <a:rPr lang="zh-CN" altLang="en-US" dirty="0" smtClean="0"/>
+              <a:t>准备</a:t>
+            </a:r>
+            <a:endParaRPr lang="en-US" altLang="zh-CN" dirty="0" smtClean="0"/>
+          </a:p>
+          <a:p>
+            <a:pPr algn="ctr"/>
+            <a:r>
+              <a:rPr lang="zh-CN" altLang="en-US" dirty="0" smtClean="0"/>
+              <a:t>（变量赋值）</a:t>
+            </a:r>
+            <a:endParaRPr lang="zh-CN" altLang="en-US" dirty="0"/>
+          </a:p>
+        </p:txBody>
+      </p:sp>
+      <p:sp>
+        <p:nvSpPr>
+          <p:cNvPr id="14" name="矩形 13"/>
+          <p:cNvSpPr/>
+          <p:nvPr/>
+        </p:nvSpPr>
+        <p:spPr>
+          <a:xfrm>
+            <a:off x="5904148" y="1380900"/>
+            <a:ext cx="1800200" cy="648072"/>
+          </a:xfrm>
+          <a:prstGeom prst="rect">
+            <a:avLst/>
+          </a:prstGeom>
+        </p:spPr>
+        <p:style>
+          <a:lnRef idx="2">
+            <a:schemeClr val="accent1">
+              <a:shade val="50000"/>
+            </a:schemeClr>
+          </a:lnRef>
+          <a:fillRef idx="1">
+            <a:schemeClr val="accent1"/>
+          </a:fillRef>
+          <a:effectRef idx="0">
+            <a:schemeClr val="accent1"/>
+          </a:effectRef>
+          <a:fontRef idx="minor">
+            <a:schemeClr val="lt1"/>
+          </a:fontRef>
+        </p:style>
+        <p:txBody>
+          <a:bodyPr rtlCol="0" anchor="ctr"/>
+          <a:lstStyle/>
+          <a:p>
+            <a:pPr algn="ctr"/>
+            <a:r>
+              <a:rPr lang="zh-CN" altLang="en-US" dirty="0" smtClean="0"/>
+              <a:t>解析</a:t>
+            </a:r>
+            <a:endParaRPr lang="en-US" altLang="zh-CN" dirty="0" smtClean="0"/>
+          </a:p>
+          <a:p>
+            <a:pPr algn="ctr"/>
+            <a:r>
+              <a:rPr lang="zh-CN" altLang="en-US" dirty="0" smtClean="0"/>
+              <a:t>（重写与重定位）</a:t>
+            </a:r>
+            <a:endParaRPr lang="zh-CN" altLang="en-US" dirty="0"/>
+          </a:p>
+        </p:txBody>
+      </p:sp>
+      <p:cxnSp>
+        <p:nvCxnSpPr>
+          <p:cNvPr id="16" name="直接箭头连接符 15"/>
+          <p:cNvCxnSpPr>
+            <a:stCxn id="11" idx="2"/>
+            <a:endCxn id="5" idx="0"/>
+          </p:cNvCxnSpPr>
+          <p:nvPr/>
+        </p:nvCxnSpPr>
+        <p:spPr>
+          <a:xfrm>
+            <a:off x="3455876" y="920972"/>
+            <a:ext cx="0" cy="563812"/>
+          </a:xfrm>
+          <a:prstGeom prst="straightConnector1">
+            <a:avLst/>
+          </a:prstGeom>
+          <a:ln w="22225">
+            <a:solidFill>
+              <a:schemeClr val="accent2">
+                <a:lumMod val="75000"/>
+              </a:schemeClr>
+            </a:solidFill>
+            <a:tailEnd type="arrow"/>
+          </a:ln>
+        </p:spPr>
+        <p:style>
+          <a:lnRef idx="1">
+            <a:schemeClr val="accent1"/>
+          </a:lnRef>
+          <a:fillRef idx="0">
+            <a:schemeClr val="accent1"/>
+          </a:fillRef>
+          <a:effectRef idx="0">
+            <a:schemeClr val="accent1"/>
+          </a:effectRef>
+          <a:fontRef idx="minor">
+            <a:schemeClr val="tx1"/>
+          </a:fontRef>
+        </p:style>
+      </p:cxnSp>
+      <p:cxnSp>
+        <p:nvCxnSpPr>
+          <p:cNvPr id="18" name="直接箭头连接符 17"/>
+          <p:cNvCxnSpPr>
+            <a:stCxn id="5" idx="2"/>
+            <a:endCxn id="6" idx="0"/>
+          </p:cNvCxnSpPr>
+          <p:nvPr/>
+        </p:nvCxnSpPr>
+        <p:spPr>
+          <a:xfrm>
+            <a:off x="3455876" y="2420888"/>
+            <a:ext cx="0" cy="576064"/>
+          </a:xfrm>
+          <a:prstGeom prst="straightConnector1">
+            <a:avLst/>
+          </a:prstGeom>
+          <a:ln w="22225">
+            <a:solidFill>
+              <a:schemeClr val="accent2">
+                <a:lumMod val="75000"/>
+              </a:schemeClr>
+            </a:solidFill>
+            <a:tailEnd type="arrow"/>
+          </a:ln>
+        </p:spPr>
+        <p:style>
+          <a:lnRef idx="1">
+            <a:schemeClr val="accent1"/>
+          </a:lnRef>
+          <a:fillRef idx="0">
+            <a:schemeClr val="accent1"/>
+          </a:fillRef>
+          <a:effectRef idx="0">
+            <a:schemeClr val="accent1"/>
+          </a:effectRef>
+          <a:fontRef idx="minor">
+            <a:schemeClr val="tx1"/>
+          </a:fontRef>
+        </p:style>
+      </p:cxnSp>
+      <p:sp>
+        <p:nvSpPr>
+          <p:cNvPr id="19" name="矩形 18"/>
+          <p:cNvSpPr/>
+          <p:nvPr/>
+        </p:nvSpPr>
+        <p:spPr>
+          <a:xfrm>
+            <a:off x="25832" y="1592796"/>
+            <a:ext cx="1512168" cy="720080"/>
+          </a:xfrm>
+          <a:prstGeom prst="rect">
+            <a:avLst/>
+          </a:prstGeom>
+          <a:solidFill>
+            <a:schemeClr val="tx2">
+              <a:lumMod val="50000"/>
+            </a:schemeClr>
+          </a:solidFill>
+        </p:spPr>
+        <p:style>
+          <a:lnRef idx="2">
+            <a:schemeClr val="accent1">
+              <a:shade val="50000"/>
+            </a:schemeClr>
+          </a:lnRef>
+          <a:fillRef idx="1">
+            <a:schemeClr val="accent1"/>
+          </a:fillRef>
+          <a:effectRef idx="0">
+            <a:schemeClr val="accent1"/>
+          </a:effectRef>
+          <a:fontRef idx="minor">
+            <a:schemeClr val="lt1"/>
+          </a:fontRef>
+        </p:style>
+        <p:txBody>
+          <a:bodyPr rtlCol="0" anchor="ctr"/>
+          <a:lstStyle/>
+          <a:p>
+            <a:pPr algn="ctr"/>
+            <a:r>
+              <a:rPr lang="en-US" altLang="zh-CN" dirty="0" err="1" smtClean="0"/>
+              <a:t>NoClassDef</a:t>
+            </a:r>
+            <a:endParaRPr lang="en-US" altLang="zh-CN" dirty="0" smtClean="0"/>
+          </a:p>
+          <a:p>
+            <a:pPr algn="ctr"/>
+            <a:r>
+              <a:rPr lang="en-US" altLang="zh-CN" dirty="0" err="1" smtClean="0"/>
+              <a:t>FoundError</a:t>
+            </a:r>
+            <a:endParaRPr lang="zh-CN" altLang="en-US" dirty="0"/>
+          </a:p>
+        </p:txBody>
+      </p:sp>
+      <p:cxnSp>
+        <p:nvCxnSpPr>
+          <p:cNvPr id="21" name="直接箭头连接符 20"/>
+          <p:cNvCxnSpPr>
+            <a:stCxn id="5" idx="1"/>
+            <a:endCxn id="19" idx="3"/>
+          </p:cNvCxnSpPr>
+          <p:nvPr/>
+        </p:nvCxnSpPr>
+        <p:spPr>
+          <a:xfrm flipH="1">
+            <a:off x="1538000" y="1952836"/>
+            <a:ext cx="801752" cy="0"/>
+          </a:xfrm>
+          <a:prstGeom prst="straightConnector1">
+            <a:avLst/>
+          </a:prstGeom>
+          <a:ln w="22225">
+            <a:solidFill>
+              <a:schemeClr val="accent2">
+                <a:lumMod val="75000"/>
+              </a:schemeClr>
+            </a:solidFill>
+            <a:tailEnd type="arrow"/>
+          </a:ln>
+        </p:spPr>
+        <p:style>
+          <a:lnRef idx="1">
+            <a:schemeClr val="accent1"/>
+          </a:lnRef>
+          <a:fillRef idx="0">
+            <a:schemeClr val="accent1"/>
+          </a:fillRef>
+          <a:effectRef idx="0">
+            <a:schemeClr val="accent1"/>
+          </a:effectRef>
+          <a:fontRef idx="minor">
+            <a:schemeClr val="tx1"/>
+          </a:fontRef>
+        </p:style>
+      </p:cxnSp>
+      <p:cxnSp>
+        <p:nvCxnSpPr>
+          <p:cNvPr id="24" name="肘形连接符 23"/>
+          <p:cNvCxnSpPr>
+            <a:stCxn id="6" idx="3"/>
+            <a:endCxn id="10" idx="1"/>
+          </p:cNvCxnSpPr>
+          <p:nvPr/>
+        </p:nvCxnSpPr>
+        <p:spPr>
+          <a:xfrm flipV="1">
+            <a:off x="4572000" y="510654"/>
+            <a:ext cx="1404156" cy="2954350"/>
+          </a:xfrm>
+          <a:prstGeom prst="bentConnector3">
+            <a:avLst/>
+          </a:prstGeom>
+          <a:ln w="22225">
+            <a:solidFill>
+              <a:schemeClr val="accent2">
+                <a:lumMod val="75000"/>
+              </a:schemeClr>
+            </a:solidFill>
+            <a:tailEnd type="arrow"/>
+          </a:ln>
+        </p:spPr>
+        <p:style>
+          <a:lnRef idx="1">
+            <a:schemeClr val="accent1"/>
+          </a:lnRef>
+          <a:fillRef idx="0">
+            <a:schemeClr val="accent1"/>
+          </a:fillRef>
+          <a:effectRef idx="0">
+            <a:schemeClr val="accent1"/>
+          </a:effectRef>
+          <a:fontRef idx="minor">
+            <a:schemeClr val="tx1"/>
+          </a:fontRef>
+        </p:style>
+      </p:cxnSp>
+      <p:cxnSp>
+        <p:nvCxnSpPr>
+          <p:cNvPr id="26" name="直接箭头连接符 25"/>
+          <p:cNvCxnSpPr>
+            <a:stCxn id="6" idx="2"/>
+            <a:endCxn id="7" idx="0"/>
+          </p:cNvCxnSpPr>
+          <p:nvPr/>
+        </p:nvCxnSpPr>
+        <p:spPr>
+          <a:xfrm>
+            <a:off x="3455876" y="3933056"/>
+            <a:ext cx="0" cy="792088"/>
+          </a:xfrm>
+          <a:prstGeom prst="straightConnector1">
+            <a:avLst/>
+          </a:prstGeom>
+          <a:ln w="22225">
+            <a:solidFill>
+              <a:schemeClr val="accent2">
+                <a:lumMod val="75000"/>
+              </a:schemeClr>
+            </a:solidFill>
+            <a:tailEnd type="arrow"/>
+          </a:ln>
+        </p:spPr>
+        <p:style>
+          <a:lnRef idx="1">
+            <a:schemeClr val="accent1"/>
+          </a:lnRef>
+          <a:fillRef idx="0">
+            <a:schemeClr val="accent1"/>
+          </a:fillRef>
+          <a:effectRef idx="0">
+            <a:schemeClr val="accent1"/>
+          </a:effectRef>
+          <a:fontRef idx="minor">
+            <a:schemeClr val="tx1"/>
+          </a:fontRef>
+        </p:style>
+      </p:cxnSp>
+      <p:cxnSp>
+        <p:nvCxnSpPr>
+          <p:cNvPr id="29" name="肘形连接符 28"/>
+          <p:cNvCxnSpPr>
+            <a:stCxn id="7" idx="1"/>
+            <a:endCxn id="11" idx="1"/>
+          </p:cNvCxnSpPr>
+          <p:nvPr/>
+        </p:nvCxnSpPr>
+        <p:spPr>
+          <a:xfrm rot="10800000" flipH="1">
+            <a:off x="2339752" y="510654"/>
+            <a:ext cx="288032" cy="4682542"/>
+          </a:xfrm>
+          <a:prstGeom prst="bentConnector3">
+            <a:avLst>
+              <a:gd name="adj1" fmla="val -79366"/>
+            </a:avLst>
+          </a:prstGeom>
+          <a:ln w="22225">
+            <a:solidFill>
+              <a:schemeClr val="accent2">
+                <a:lumMod val="75000"/>
+              </a:schemeClr>
+            </a:solidFill>
+            <a:tailEnd type="arrow"/>
+          </a:ln>
+        </p:spPr>
+        <p:style>
+          <a:lnRef idx="1">
+            <a:schemeClr val="accent1"/>
+          </a:lnRef>
+          <a:fillRef idx="0">
+            <a:schemeClr val="accent1"/>
+          </a:fillRef>
+          <a:effectRef idx="0">
+            <a:schemeClr val="accent1"/>
+          </a:effectRef>
+          <a:fontRef idx="minor">
+            <a:schemeClr val="tx1"/>
+          </a:fontRef>
+        </p:style>
+      </p:cxnSp>
+      <p:cxnSp>
+        <p:nvCxnSpPr>
+          <p:cNvPr id="34" name="直接箭头连接符 33"/>
+          <p:cNvCxnSpPr>
+            <a:stCxn id="7" idx="3"/>
+            <a:endCxn id="9" idx="1"/>
+          </p:cNvCxnSpPr>
+          <p:nvPr/>
+        </p:nvCxnSpPr>
+        <p:spPr>
+          <a:xfrm>
+            <a:off x="4572000" y="5193196"/>
+            <a:ext cx="1116124" cy="0"/>
+          </a:xfrm>
+          <a:prstGeom prst="straightConnector1">
+            <a:avLst/>
+          </a:prstGeom>
+          <a:ln w="22225">
+            <a:solidFill>
+              <a:schemeClr val="accent2">
+                <a:lumMod val="75000"/>
+              </a:schemeClr>
+            </a:solidFill>
+            <a:tailEnd type="arrow"/>
+          </a:ln>
+        </p:spPr>
+        <p:style>
+          <a:lnRef idx="1">
+            <a:schemeClr val="accent1"/>
+          </a:lnRef>
+          <a:fillRef idx="0">
+            <a:schemeClr val="accent1"/>
+          </a:fillRef>
+          <a:effectRef idx="0">
+            <a:schemeClr val="accent1"/>
+          </a:effectRef>
+          <a:fontRef idx="minor">
+            <a:schemeClr val="tx1"/>
+          </a:fontRef>
+        </p:style>
+      </p:cxnSp>
+      <p:cxnSp>
+        <p:nvCxnSpPr>
+          <p:cNvPr id="37" name="直接箭头连接符 36"/>
+          <p:cNvCxnSpPr>
+            <a:stCxn id="9" idx="0"/>
+            <a:endCxn id="12" idx="2"/>
+          </p:cNvCxnSpPr>
+          <p:nvPr/>
+        </p:nvCxnSpPr>
+        <p:spPr>
+          <a:xfrm flipV="1">
+            <a:off x="6804248" y="4117948"/>
+            <a:ext cx="0" cy="607196"/>
+          </a:xfrm>
+          <a:prstGeom prst="straightConnector1">
+            <a:avLst/>
+          </a:prstGeom>
+          <a:ln w="22225">
+            <a:solidFill>
+              <a:schemeClr val="accent2">
+                <a:lumMod val="75000"/>
+              </a:schemeClr>
+            </a:solidFill>
+            <a:tailEnd type="arrow"/>
+          </a:ln>
+        </p:spPr>
+        <p:style>
+          <a:lnRef idx="1">
+            <a:schemeClr val="accent1"/>
+          </a:lnRef>
+          <a:fillRef idx="0">
+            <a:schemeClr val="accent1"/>
+          </a:fillRef>
+          <a:effectRef idx="0">
+            <a:schemeClr val="accent1"/>
+          </a:effectRef>
+          <a:fontRef idx="minor">
+            <a:schemeClr val="tx1"/>
+          </a:fontRef>
+        </p:style>
+      </p:cxnSp>
+      <p:cxnSp>
+        <p:nvCxnSpPr>
+          <p:cNvPr id="39" name="直接箭头连接符 38"/>
+          <p:cNvCxnSpPr>
+            <a:stCxn id="12" idx="0"/>
+            <a:endCxn id="13" idx="2"/>
+          </p:cNvCxnSpPr>
+          <p:nvPr/>
+        </p:nvCxnSpPr>
+        <p:spPr>
+          <a:xfrm flipV="1">
+            <a:off x="6804248" y="3067824"/>
+            <a:ext cx="0" cy="402052"/>
+          </a:xfrm>
+          <a:prstGeom prst="straightConnector1">
+            <a:avLst/>
+          </a:prstGeom>
+          <a:ln w="22225">
+            <a:solidFill>
+              <a:schemeClr val="accent2">
+                <a:lumMod val="75000"/>
+              </a:schemeClr>
+            </a:solidFill>
+            <a:tailEnd type="arrow"/>
+          </a:ln>
+        </p:spPr>
+        <p:style>
+          <a:lnRef idx="1">
+            <a:schemeClr val="accent1"/>
+          </a:lnRef>
+          <a:fillRef idx="0">
+            <a:schemeClr val="accent1"/>
+          </a:fillRef>
+          <a:effectRef idx="0">
+            <a:schemeClr val="accent1"/>
+          </a:effectRef>
+          <a:fontRef idx="minor">
+            <a:schemeClr val="tx1"/>
+          </a:fontRef>
+        </p:style>
+      </p:cxnSp>
+      <p:cxnSp>
+        <p:nvCxnSpPr>
+          <p:cNvPr id="41" name="直接箭头连接符 40"/>
+          <p:cNvCxnSpPr>
+            <a:stCxn id="13" idx="0"/>
+            <a:endCxn id="14" idx="2"/>
+          </p:cNvCxnSpPr>
+          <p:nvPr/>
+        </p:nvCxnSpPr>
+        <p:spPr>
+          <a:xfrm flipV="1">
+            <a:off x="6804248" y="2028972"/>
+            <a:ext cx="0" cy="390780"/>
+          </a:xfrm>
+          <a:prstGeom prst="straightConnector1">
+            <a:avLst/>
+          </a:prstGeom>
+          <a:ln w="22225">
+            <a:solidFill>
+              <a:schemeClr val="accent2">
+                <a:lumMod val="75000"/>
+              </a:schemeClr>
+            </a:solidFill>
+            <a:tailEnd type="arrow"/>
+          </a:ln>
+        </p:spPr>
+        <p:style>
+          <a:lnRef idx="1">
+            <a:schemeClr val="accent1"/>
+          </a:lnRef>
+          <a:fillRef idx="0">
+            <a:schemeClr val="accent1"/>
+          </a:fillRef>
+          <a:effectRef idx="0">
+            <a:schemeClr val="accent1"/>
+          </a:effectRef>
+          <a:fontRef idx="minor">
+            <a:schemeClr val="tx1"/>
+          </a:fontRef>
+        </p:style>
+      </p:cxnSp>
+      <p:cxnSp>
+        <p:nvCxnSpPr>
+          <p:cNvPr id="43" name="直接箭头连接符 42"/>
+          <p:cNvCxnSpPr>
+            <a:stCxn id="14" idx="0"/>
+            <a:endCxn id="10" idx="2"/>
+          </p:cNvCxnSpPr>
+          <p:nvPr/>
+        </p:nvCxnSpPr>
+        <p:spPr>
+          <a:xfrm flipV="1">
+            <a:off x="6804248" y="920972"/>
+            <a:ext cx="0" cy="459928"/>
+          </a:xfrm>
+          <a:prstGeom prst="straightConnector1">
+            <a:avLst/>
+          </a:prstGeom>
+          <a:ln w="22225">
+            <a:solidFill>
+              <a:schemeClr val="accent2">
+                <a:lumMod val="75000"/>
+              </a:schemeClr>
+            </a:solidFill>
+            <a:tailEnd type="arrow"/>
+          </a:ln>
+        </p:spPr>
+        <p:style>
+          <a:lnRef idx="1">
+            <a:schemeClr val="accent1"/>
+          </a:lnRef>
+          <a:fillRef idx="0">
+            <a:schemeClr val="accent1"/>
+          </a:fillRef>
+          <a:effectRef idx="0">
+            <a:schemeClr val="accent1"/>
+          </a:effectRef>
+          <a:fontRef idx="minor">
+            <a:schemeClr val="tx1"/>
+          </a:fontRef>
+        </p:style>
+      </p:cxnSp>
+      <p:cxnSp>
+        <p:nvCxnSpPr>
+          <p:cNvPr id="56" name="肘形连接符 55"/>
+          <p:cNvCxnSpPr>
+            <a:stCxn id="9" idx="3"/>
+            <a:endCxn id="10" idx="3"/>
+          </p:cNvCxnSpPr>
+          <p:nvPr/>
+        </p:nvCxnSpPr>
+        <p:spPr>
+          <a:xfrm flipH="1" flipV="1">
+            <a:off x="7632340" y="510654"/>
+            <a:ext cx="288032" cy="4682542"/>
+          </a:xfrm>
+          <a:prstGeom prst="bentConnector3">
+            <a:avLst>
+              <a:gd name="adj1" fmla="val -79366"/>
+            </a:avLst>
+          </a:prstGeom>
+          <a:ln w="22225">
+            <a:solidFill>
+              <a:schemeClr val="accent2">
+                <a:lumMod val="75000"/>
+              </a:schemeClr>
+            </a:solidFill>
+            <a:tailEnd type="arrow"/>
+          </a:ln>
+        </p:spPr>
+        <p:style>
+          <a:lnRef idx="1">
+            <a:schemeClr val="accent1"/>
+          </a:lnRef>
+          <a:fillRef idx="0">
+            <a:schemeClr val="accent1"/>
+          </a:fillRef>
+          <a:effectRef idx="0">
+            <a:schemeClr val="accent1"/>
+          </a:effectRef>
+          <a:fontRef idx="minor">
+            <a:schemeClr val="tx1"/>
+          </a:fontRef>
+        </p:style>
+      </p:cxnSp>
+      <p:sp>
+        <p:nvSpPr>
+          <p:cNvPr id="58" name="TextBox 57"/>
+          <p:cNvSpPr txBox="1"/>
+          <p:nvPr/>
+        </p:nvSpPr>
+        <p:spPr>
+          <a:xfrm>
+            <a:off x="3455876" y="2524254"/>
+            <a:ext cx="396044" cy="369332"/>
+          </a:xfrm>
+          <a:prstGeom prst="rect">
+            <a:avLst/>
+          </a:prstGeom>
+          <a:noFill/>
+        </p:spPr>
+        <p:txBody>
+          <a:bodyPr wrap="square" rtlCol="0">
+            <a:spAutoFit/>
+          </a:bodyPr>
+          <a:lstStyle/>
+          <a:p>
+            <a:r>
+              <a:rPr lang="zh-CN" altLang="en-US" dirty="0" smtClean="0"/>
+              <a:t>否</a:t>
+            </a:r>
+            <a:endParaRPr lang="zh-CN" altLang="en-US" dirty="0"/>
+          </a:p>
+        </p:txBody>
+      </p:sp>
+      <p:sp>
+        <p:nvSpPr>
+          <p:cNvPr id="59" name="TextBox 58"/>
+          <p:cNvSpPr txBox="1"/>
+          <p:nvPr/>
+        </p:nvSpPr>
+        <p:spPr>
+          <a:xfrm>
+            <a:off x="3455876" y="4117948"/>
+            <a:ext cx="396044" cy="369332"/>
+          </a:xfrm>
+          <a:prstGeom prst="rect">
+            <a:avLst/>
+          </a:prstGeom>
+          <a:noFill/>
+        </p:spPr>
+        <p:txBody>
+          <a:bodyPr wrap="square" rtlCol="0">
+            <a:spAutoFit/>
+          </a:bodyPr>
+          <a:lstStyle/>
+          <a:p>
+            <a:r>
+              <a:rPr lang="zh-CN" altLang="en-US" dirty="0" smtClean="0"/>
+              <a:t>否</a:t>
+            </a:r>
+            <a:endParaRPr lang="zh-CN" altLang="en-US" dirty="0"/>
+          </a:p>
+        </p:txBody>
+      </p:sp>
+      <p:sp>
+        <p:nvSpPr>
+          <p:cNvPr id="60" name="TextBox 59"/>
+          <p:cNvSpPr txBox="1"/>
+          <p:nvPr/>
+        </p:nvSpPr>
+        <p:spPr>
+          <a:xfrm>
+            <a:off x="4734018" y="3081132"/>
+            <a:ext cx="396044" cy="369332"/>
+          </a:xfrm>
+          <a:prstGeom prst="rect">
+            <a:avLst/>
+          </a:prstGeom>
+          <a:noFill/>
+        </p:spPr>
+        <p:txBody>
+          <a:bodyPr wrap="square" rtlCol="0">
+            <a:spAutoFit/>
+          </a:bodyPr>
+          <a:lstStyle/>
+          <a:p>
+            <a:r>
+              <a:rPr lang="zh-CN" altLang="en-US" dirty="0"/>
+              <a:t>是</a:t>
+            </a:r>
+            <a:endParaRPr lang="zh-CN" altLang="en-US" dirty="0"/>
+          </a:p>
+        </p:txBody>
+      </p:sp>
+      <p:sp>
+        <p:nvSpPr>
+          <p:cNvPr id="61" name="TextBox 60"/>
+          <p:cNvSpPr txBox="1"/>
+          <p:nvPr/>
+        </p:nvSpPr>
+        <p:spPr>
+          <a:xfrm>
+            <a:off x="1691680" y="4816852"/>
+            <a:ext cx="396044" cy="369332"/>
+          </a:xfrm>
+          <a:prstGeom prst="rect">
+            <a:avLst/>
+          </a:prstGeom>
+          <a:noFill/>
+        </p:spPr>
+        <p:txBody>
+          <a:bodyPr wrap="square" rtlCol="0">
+            <a:spAutoFit/>
+          </a:bodyPr>
+          <a:lstStyle/>
+          <a:p>
+            <a:r>
+              <a:rPr lang="zh-CN" altLang="en-US" dirty="0" smtClean="0"/>
+              <a:t>否</a:t>
+            </a:r>
+            <a:endParaRPr lang="zh-CN" altLang="en-US" dirty="0"/>
+          </a:p>
+        </p:txBody>
+      </p:sp>
+      <p:sp>
+        <p:nvSpPr>
+          <p:cNvPr id="62" name="TextBox 61"/>
+          <p:cNvSpPr txBox="1"/>
+          <p:nvPr/>
+        </p:nvSpPr>
+        <p:spPr>
+          <a:xfrm>
+            <a:off x="4734018" y="4826516"/>
+            <a:ext cx="396044" cy="369332"/>
+          </a:xfrm>
+          <a:prstGeom prst="rect">
+            <a:avLst/>
+          </a:prstGeom>
+          <a:noFill/>
+        </p:spPr>
+        <p:txBody>
+          <a:bodyPr wrap="square" rtlCol="0">
+            <a:spAutoFit/>
+          </a:bodyPr>
+          <a:lstStyle/>
+          <a:p>
+            <a:r>
+              <a:rPr lang="zh-CN" altLang="en-US" dirty="0"/>
+              <a:t>是</a:t>
+            </a:r>
+            <a:endParaRPr lang="zh-CN" altLang="en-US" dirty="0"/>
+          </a:p>
+        </p:txBody>
+      </p:sp>
+      <p:sp>
+        <p:nvSpPr>
+          <p:cNvPr id="63" name="TextBox 62"/>
+          <p:cNvSpPr txBox="1"/>
+          <p:nvPr/>
+        </p:nvSpPr>
+        <p:spPr>
+          <a:xfrm>
+            <a:off x="6408204" y="4302614"/>
+            <a:ext cx="396044" cy="369332"/>
+          </a:xfrm>
+          <a:prstGeom prst="rect">
+            <a:avLst/>
+          </a:prstGeom>
+          <a:noFill/>
+        </p:spPr>
+        <p:txBody>
+          <a:bodyPr wrap="square" rtlCol="0">
+            <a:spAutoFit/>
+          </a:bodyPr>
+          <a:lstStyle/>
+          <a:p>
+            <a:r>
+              <a:rPr lang="zh-CN" altLang="en-US" dirty="0" smtClean="0"/>
+              <a:t>否</a:t>
+            </a:r>
+            <a:endParaRPr lang="zh-CN" altLang="en-US" dirty="0"/>
+          </a:p>
+        </p:txBody>
+      </p:sp>
+      <p:sp>
+        <p:nvSpPr>
+          <p:cNvPr id="64" name="TextBox 63"/>
+          <p:cNvSpPr txBox="1"/>
+          <p:nvPr/>
+        </p:nvSpPr>
+        <p:spPr>
+          <a:xfrm>
+            <a:off x="8172400" y="4715500"/>
+            <a:ext cx="396044" cy="369332"/>
+          </a:xfrm>
+          <a:prstGeom prst="rect">
+            <a:avLst/>
+          </a:prstGeom>
+          <a:noFill/>
+        </p:spPr>
+        <p:txBody>
+          <a:bodyPr wrap="square" rtlCol="0">
+            <a:spAutoFit/>
+          </a:bodyPr>
+          <a:lstStyle/>
+          <a:p>
+            <a:r>
+              <a:rPr lang="zh-CN" altLang="en-US" dirty="0"/>
+              <a:t>是</a:t>
+            </a:r>
+            <a:endParaRPr lang="zh-CN" altLang="en-US" dirty="0"/>
+          </a:p>
+        </p:txBody>
+      </p:sp>
+      <p:sp>
+        <p:nvSpPr>
+          <p:cNvPr id="65" name="TextBox 64"/>
+          <p:cNvSpPr txBox="1"/>
+          <p:nvPr/>
+        </p:nvSpPr>
+        <p:spPr>
+          <a:xfrm>
+            <a:off x="2153124" y="1575996"/>
+            <a:ext cx="396044" cy="369332"/>
+          </a:xfrm>
+          <a:prstGeom prst="rect">
+            <a:avLst/>
+          </a:prstGeom>
+          <a:noFill/>
+        </p:spPr>
+        <p:txBody>
+          <a:bodyPr wrap="square" rtlCol="0">
+            <a:spAutoFit/>
+          </a:bodyPr>
+          <a:lstStyle/>
+          <a:p>
+            <a:r>
+              <a:rPr lang="zh-CN" altLang="en-US" dirty="0"/>
+              <a:t>是</a:t>
+            </a:r>
+            <a:endParaRPr lang="zh-CN" altLang="en-US" dirty="0"/>
+          </a:p>
+        </p:txBody>
+      </p:sp>
+    </p:spTree>
+    <p:extLst>
+      <p:ext uri="{BB962C8B-B14F-4D97-AF65-F5344CB8AC3E}">
+        <p14:creationId xmlns:p14="http://schemas.microsoft.com/office/powerpoint/2010/main" val="56857695"/>
+      </p:ext>
+    </p:extLst>
+  </p:cSld>
+  <p:clrMapOvr>
+    <a:masterClrMapping/>
+  </p:clrMapOvr>
 </p:sld>
 </file>
 
